--- a/PPTs/00-Introduction.pptx
+++ b/PPTs/00-Introduction.pptx
@@ -262,7 +262,7 @@
           <a:p>
             <a:fld id="{97358E51-B638-43DE-B0B3-2B6DAB9D5F5F}" type="datetimeFigureOut">
               <a:rPr lang="en-US" smtClean="0"/>
-              <a:t>3/5/2020</a:t>
+              <a:t>3/30/2020</a:t>
             </a:fld>
             <a:endParaRPr lang="en-US"/>
           </a:p>
@@ -460,7 +460,7 @@
           <a:p>
             <a:fld id="{97358E51-B638-43DE-B0B3-2B6DAB9D5F5F}" type="datetimeFigureOut">
               <a:rPr lang="en-US" smtClean="0"/>
-              <a:t>3/5/2020</a:t>
+              <a:t>3/30/2020</a:t>
             </a:fld>
             <a:endParaRPr lang="en-US"/>
           </a:p>
@@ -668,7 +668,7 @@
           <a:p>
             <a:fld id="{97358E51-B638-43DE-B0B3-2B6DAB9D5F5F}" type="datetimeFigureOut">
               <a:rPr lang="en-US" smtClean="0"/>
-              <a:t>3/5/2020</a:t>
+              <a:t>3/30/2020</a:t>
             </a:fld>
             <a:endParaRPr lang="en-US"/>
           </a:p>
@@ -866,7 +866,7 @@
           <a:p>
             <a:fld id="{97358E51-B638-43DE-B0B3-2B6DAB9D5F5F}" type="datetimeFigureOut">
               <a:rPr lang="en-US" smtClean="0"/>
-              <a:t>3/5/2020</a:t>
+              <a:t>3/30/2020</a:t>
             </a:fld>
             <a:endParaRPr lang="en-US"/>
           </a:p>
@@ -1141,7 +1141,7 @@
           <a:p>
             <a:fld id="{97358E51-B638-43DE-B0B3-2B6DAB9D5F5F}" type="datetimeFigureOut">
               <a:rPr lang="en-US" smtClean="0"/>
-              <a:t>3/5/2020</a:t>
+              <a:t>3/30/2020</a:t>
             </a:fld>
             <a:endParaRPr lang="en-US"/>
           </a:p>
@@ -1406,7 +1406,7 @@
           <a:p>
             <a:fld id="{97358E51-B638-43DE-B0B3-2B6DAB9D5F5F}" type="datetimeFigureOut">
               <a:rPr lang="en-US" smtClean="0"/>
-              <a:t>3/5/2020</a:t>
+              <a:t>3/30/2020</a:t>
             </a:fld>
             <a:endParaRPr lang="en-US"/>
           </a:p>
@@ -1818,7 +1818,7 @@
           <a:p>
             <a:fld id="{97358E51-B638-43DE-B0B3-2B6DAB9D5F5F}" type="datetimeFigureOut">
               <a:rPr lang="en-US" smtClean="0"/>
-              <a:t>3/5/2020</a:t>
+              <a:t>3/30/2020</a:t>
             </a:fld>
             <a:endParaRPr lang="en-US"/>
           </a:p>
@@ -1959,7 +1959,7 @@
           <a:p>
             <a:fld id="{97358E51-B638-43DE-B0B3-2B6DAB9D5F5F}" type="datetimeFigureOut">
               <a:rPr lang="en-US" smtClean="0"/>
-              <a:t>3/5/2020</a:t>
+              <a:t>3/30/2020</a:t>
             </a:fld>
             <a:endParaRPr lang="en-US"/>
           </a:p>
@@ -2072,7 +2072,7 @@
           <a:p>
             <a:fld id="{97358E51-B638-43DE-B0B3-2B6DAB9D5F5F}" type="datetimeFigureOut">
               <a:rPr lang="en-US" smtClean="0"/>
-              <a:t>3/5/2020</a:t>
+              <a:t>3/30/2020</a:t>
             </a:fld>
             <a:endParaRPr lang="en-US"/>
           </a:p>
@@ -2383,7 +2383,7 @@
           <a:p>
             <a:fld id="{97358E51-B638-43DE-B0B3-2B6DAB9D5F5F}" type="datetimeFigureOut">
               <a:rPr lang="en-US" smtClean="0"/>
-              <a:t>3/5/2020</a:t>
+              <a:t>3/30/2020</a:t>
             </a:fld>
             <a:endParaRPr lang="en-US"/>
           </a:p>
@@ -2671,7 +2671,7 @@
           <a:p>
             <a:fld id="{97358E51-B638-43DE-B0B3-2B6DAB9D5F5F}" type="datetimeFigureOut">
               <a:rPr lang="en-US" smtClean="0"/>
-              <a:t>3/5/2020</a:t>
+              <a:t>3/30/2020</a:t>
             </a:fld>
             <a:endParaRPr lang="en-US"/>
           </a:p>
@@ -2912,7 +2912,7 @@
           <a:p>
             <a:fld id="{97358E51-B638-43DE-B0B3-2B6DAB9D5F5F}" type="datetimeFigureOut">
               <a:rPr lang="en-US" smtClean="0"/>
-              <a:t>3/5/2020</a:t>
+              <a:t>3/30/2020</a:t>
             </a:fld>
             <a:endParaRPr lang="en-US"/>
           </a:p>
@@ -3315,6 +3315,14 @@
 <file path=ppt/slides/slide1.xml><?xml version="1.0" encoding="utf-8"?>
 <p:sld xmlns:a="http://schemas.openxmlformats.org/drawingml/2006/main" xmlns:r="http://schemas.openxmlformats.org/officeDocument/2006/relationships" xmlns:p="http://schemas.openxmlformats.org/presentationml/2006/main">
   <p:cSld>
+    <p:bg>
+      <p:bgPr>
+        <a:solidFill>
+          <a:schemeClr val="bg1"/>
+        </a:solidFill>
+        <a:effectLst/>
+      </p:bgPr>
+    </p:bg>
     <p:spTree>
       <p:nvGrpSpPr>
         <p:cNvPr id="1" name=""/>
@@ -3329,34 +3337,234 @@
           <a:chExt cx="0" cy="0"/>
         </a:xfrm>
       </p:grpSpPr>
-      <p:sp>
-        <p:nvSpPr>
-          <p:cNvPr id="2" name="Title 1">
-            <a:extLst>
-              <a:ext uri="{FF2B5EF4-FFF2-40B4-BE49-F238E27FC236}">
-                <a16:creationId xmlns:a16="http://schemas.microsoft.com/office/drawing/2014/main" id="{8D071C30-EC9D-4583-A93F-F462CB11AE99}"/>
-              </a:ext>
-            </a:extLst>
-          </p:cNvPr>
-          <p:cNvSpPr>
-            <a:spLocks noGrp="1"/>
-          </p:cNvSpPr>
-          <p:nvPr>
-            <p:ph type="ctrTitle"/>
+      <p:sp useBgFill="1">
+        <p:nvSpPr>
+          <p:cNvPr id="8" name="Rectangle 7">
+            <a:extLst>
+              <a:ext uri="{FF2B5EF4-FFF2-40B4-BE49-F238E27FC236}">
+                <a16:creationId xmlns:a16="http://schemas.microsoft.com/office/drawing/2014/main" id="{3B854194-185D-494D-905C-7C7CB2E30F6E}"/>
+              </a:ext>
+              <a:ext uri="{C183D7F6-B498-43B3-948B-1728B52AA6E4}">
+                <adec:decorative xmlns:adec="http://schemas.microsoft.com/office/drawing/2017/decorative" val="1"/>
+              </a:ext>
+            </a:extLst>
+          </p:cNvPr>
+          <p:cNvSpPr>
+            <a:spLocks noGrp="1" noRot="1" noChangeAspect="1" noMove="1" noResize="1" noEditPoints="1" noAdjustHandles="1" noChangeArrowheads="1" noChangeShapeType="1" noTextEdit="1"/>
+          </p:cNvSpPr>
+          <p:nvPr>
+            <p:extLst>
+              <p:ext uri="{386F3935-93C4-4BCD-93E2-E3B085C9AB24}">
+                <p16:designElem xmlns:p16="http://schemas.microsoft.com/office/powerpoint/2015/main" val="1"/>
+              </p:ext>
+            </p:extLst>
           </p:nvPr>
         </p:nvSpPr>
         <p:spPr>
           <a:xfrm>
-            <a:off x="1524000" y="542206"/>
-            <a:ext cx="9144000" cy="982727"/>
+            <a:off x="1" y="0"/>
+            <a:ext cx="6082110" cy="6858000"/>
+          </a:xfrm>
+          <a:prstGeom prst="rect">
+            <a:avLst/>
+          </a:prstGeom>
+          <a:ln>
+            <a:noFill/>
+          </a:ln>
+        </p:spPr>
+        <p:style>
+          <a:lnRef idx="2">
+            <a:schemeClr val="accent1">
+              <a:shade val="50000"/>
+            </a:schemeClr>
+          </a:lnRef>
+          <a:fillRef idx="1">
+            <a:schemeClr val="accent1"/>
+          </a:fillRef>
+          <a:effectRef idx="0">
+            <a:schemeClr val="accent1"/>
+          </a:effectRef>
+          <a:fontRef idx="minor">
+            <a:schemeClr val="lt1"/>
+          </a:fontRef>
+        </p:style>
+        <p:txBody>
+          <a:bodyPr rtlCol="0" anchor="ctr"/>
+          <a:lstStyle/>
+          <a:p>
+            <a:pPr algn="ctr"/>
+            <a:endParaRPr lang="en-US"/>
+          </a:p>
+        </p:txBody>
+      </p:sp>
+      <p:sp>
+        <p:nvSpPr>
+          <p:cNvPr id="10" name="Rectangle 9">
+            <a:extLst>
+              <a:ext uri="{FF2B5EF4-FFF2-40B4-BE49-F238E27FC236}">
+                <a16:creationId xmlns:a16="http://schemas.microsoft.com/office/drawing/2014/main" id="{B4F5FA0D-0104-4987-8241-EFF7C85B88DE}"/>
+              </a:ext>
+              <a:ext uri="{C183D7F6-B498-43B3-948B-1728B52AA6E4}">
+                <adec:decorative xmlns:adec="http://schemas.microsoft.com/office/drawing/2017/decorative" val="1"/>
+              </a:ext>
+            </a:extLst>
+          </p:cNvPr>
+          <p:cNvSpPr>
+            <a:spLocks noGrp="1" noRot="1" noChangeAspect="1" noMove="1" noResize="1" noEditPoints="1" noAdjustHandles="1" noChangeArrowheads="1" noChangeShapeType="1" noTextEdit="1"/>
+          </p:cNvSpPr>
+          <p:nvPr>
+            <p:extLst>
+              <p:ext uri="{386F3935-93C4-4BCD-93E2-E3B085C9AB24}">
+                <p16:designElem xmlns:p16="http://schemas.microsoft.com/office/powerpoint/2015/main" val="1"/>
+              </p:ext>
+            </p:extLst>
+          </p:nvPr>
+        </p:nvSpPr>
+        <p:spPr>
+          <a:xfrm>
+            <a:off x="1" y="0"/>
+            <a:ext cx="12191998" cy="6858000"/>
+          </a:xfrm>
+          <a:prstGeom prst="rect">
+            <a:avLst/>
+          </a:prstGeom>
+          <a:gradFill>
+            <a:gsLst>
+              <a:gs pos="0">
+                <a:schemeClr val="accent1">
+                  <a:lumMod val="90000"/>
+                </a:schemeClr>
+              </a:gs>
+              <a:gs pos="25000">
+                <a:schemeClr val="accent1">
+                  <a:lumMod val="90000"/>
+                </a:schemeClr>
+              </a:gs>
+              <a:gs pos="94000">
+                <a:schemeClr val="bg2">
+                  <a:lumMod val="25000"/>
+                </a:schemeClr>
+              </a:gs>
+              <a:gs pos="100000">
+                <a:schemeClr val="bg2">
+                  <a:lumMod val="25000"/>
+                </a:schemeClr>
+              </a:gs>
+            </a:gsLst>
+            <a:lin ang="4200000" scaled="0"/>
+          </a:gradFill>
+          <a:ln>
+            <a:noFill/>
+          </a:ln>
+        </p:spPr>
+        <p:style>
+          <a:lnRef idx="2">
+            <a:schemeClr val="accent1">
+              <a:shade val="50000"/>
+            </a:schemeClr>
+          </a:lnRef>
+          <a:fillRef idx="1">
+            <a:schemeClr val="accent1"/>
+          </a:fillRef>
+          <a:effectRef idx="0">
+            <a:schemeClr val="accent1"/>
+          </a:effectRef>
+          <a:fontRef idx="minor">
+            <a:schemeClr val="lt1"/>
+          </a:fontRef>
+        </p:style>
+        <p:txBody>
+          <a:bodyPr rtlCol="0" anchor="ctr"/>
+          <a:lstStyle/>
+          <a:p>
+            <a:pPr algn="ctr"/>
+            <a:endParaRPr lang="en-US"/>
+          </a:p>
+        </p:txBody>
+      </p:sp>
+      <p:pic>
+        <p:nvPicPr>
+          <p:cNvPr id="12" name="Picture 11">
+            <a:extLst>
+              <a:ext uri="{FF2B5EF4-FFF2-40B4-BE49-F238E27FC236}">
+                <a16:creationId xmlns:a16="http://schemas.microsoft.com/office/drawing/2014/main" id="{2897127E-6CEF-446C-BE87-93B7C46E49D1}"/>
+              </a:ext>
+              <a:ext uri="{C183D7F6-B498-43B3-948B-1728B52AA6E4}">
+                <adec:decorative xmlns:adec="http://schemas.microsoft.com/office/drawing/2017/decorative" val="1"/>
+              </a:ext>
+            </a:extLst>
+          </p:cNvPr>
+          <p:cNvPicPr>
+            <a:picLocks noGrp="1" noRot="1" noChangeAspect="1" noMove="1" noResize="1" noEditPoints="1" noAdjustHandles="1" noChangeArrowheads="1" noChangeShapeType="1" noCrop="1"/>
+          </p:cNvPicPr>
+          <p:nvPr>
+            <p:extLst>
+              <p:ext uri="{386F3935-93C4-4BCD-93E2-E3B085C9AB24}">
+                <p16:designElem xmlns:p16="http://schemas.microsoft.com/office/powerpoint/2015/main" val="1"/>
+              </p:ext>
+            </p:extLst>
+          </p:nvPr>
+        </p:nvPicPr>
+        <p:blipFill>
+          <a:blip r:embed="rId2">
+            <a:extLst>
+              <a:ext uri="{28A0092B-C50C-407E-A947-70E740481C1C}">
+                <a14:useLocalDpi xmlns:a14="http://schemas.microsoft.com/office/drawing/2010/main" val="0"/>
+              </a:ext>
+            </a:extLst>
+          </a:blip>
+          <a:stretch>
+            <a:fillRect/>
+          </a:stretch>
+        </p:blipFill>
+        <p:spPr>
+          <a:xfrm>
+            <a:off x="0" y="0"/>
+            <a:ext cx="12192000" cy="6858000"/>
+          </a:xfrm>
+          <a:prstGeom prst="rect">
+            <a:avLst/>
+          </a:prstGeom>
+        </p:spPr>
+      </p:pic>
+      <p:sp>
+        <p:nvSpPr>
+          <p:cNvPr id="2" name="Title 1">
+            <a:extLst>
+              <a:ext uri="{FF2B5EF4-FFF2-40B4-BE49-F238E27FC236}">
+                <a16:creationId xmlns:a16="http://schemas.microsoft.com/office/drawing/2014/main" id="{8D071C30-EC9D-4583-A93F-F462CB11AE99}"/>
+              </a:ext>
+            </a:extLst>
+          </p:cNvPr>
+          <p:cNvSpPr>
+            <a:spLocks noGrp="1"/>
+          </p:cNvSpPr>
+          <p:nvPr>
+            <p:ph type="ctrTitle"/>
+          </p:nvPr>
+        </p:nvSpPr>
+        <p:spPr>
+          <a:xfrm>
+            <a:off x="640079" y="2053641"/>
+            <a:ext cx="3669161" cy="2760098"/>
           </a:xfrm>
         </p:spPr>
         <p:txBody>
-          <a:bodyPr/>
-          <a:lstStyle/>
-          <a:p>
-            <a:r>
-              <a:rPr lang="en-US" dirty="0"/>
+          <a:bodyPr vert="horz" lIns="91440" tIns="45720" rIns="91440" bIns="45720" rtlCol="0" anchor="ctr">
+            <a:normAutofit/>
+          </a:bodyPr>
+          <a:lstStyle/>
+          <a:p>
+            <a:pPr algn="l"/>
+            <a:r>
+              <a:rPr lang="en-US" sz="4400" kern="1200">
+                <a:solidFill>
+                  <a:srgbClr val="FFFFFF"/>
+                </a:solidFill>
+                <a:latin typeface="+mj-lt"/>
+                <a:ea typeface="+mj-ea"/>
+                <a:cs typeface="+mj-cs"/>
+              </a:rPr>
               <a:t>Introduction</a:t>
             </a:r>
           </a:p>
@@ -3380,70 +3588,96 @@
         </p:nvSpPr>
         <p:spPr>
           <a:xfrm>
-            <a:off x="1524000" y="1773237"/>
-            <a:ext cx="9144000" cy="4370243"/>
+            <a:off x="6090574" y="801866"/>
+            <a:ext cx="5306084" cy="5230634"/>
           </a:xfrm>
         </p:spPr>
         <p:txBody>
-          <a:bodyPr/>
-          <a:lstStyle/>
-          <a:p>
-            <a:pPr marL="342900" indent="-342900" algn="l">
+          <a:bodyPr vert="horz" lIns="91440" tIns="45720" rIns="91440" bIns="45720" rtlCol="0" anchor="ctr">
+            <a:normAutofit/>
+          </a:bodyPr>
+          <a:lstStyle/>
+          <a:p>
+            <a:pPr marL="342900" indent="-228600" algn="l">
               <a:buFont typeface="Arial" panose="020B0604020202020204" pitchFamily="34" charset="0"/>
               <a:buChar char="•"/>
             </a:pPr>
             <a:r>
-              <a:rPr lang="en-US" dirty="0"/>
+              <a:rPr lang="en-US">
+                <a:solidFill>
+                  <a:srgbClr val="000000"/>
+                </a:solidFill>
+              </a:rPr>
               <a:t>Your trainer</a:t>
             </a:r>
           </a:p>
           <a:p>
-            <a:pPr marL="342900" indent="-342900" algn="l">
+            <a:pPr marL="342900" indent="-228600" algn="l">
               <a:buFont typeface="Arial" panose="020B0604020202020204" pitchFamily="34" charset="0"/>
               <a:buChar char="•"/>
             </a:pPr>
             <a:r>
-              <a:rPr lang="en-US" dirty="0"/>
+              <a:rPr lang="en-US">
+                <a:solidFill>
+                  <a:srgbClr val="000000"/>
+                </a:solidFill>
+              </a:rPr>
               <a:t>Your introduction</a:t>
             </a:r>
           </a:p>
           <a:p>
-            <a:pPr marL="800100" lvl="1" indent="-342900" algn="l">
+            <a:pPr marL="800100" lvl="1" indent="-228600" algn="l">
               <a:buFont typeface="Arial" panose="020B0604020202020204" pitchFamily="34" charset="0"/>
               <a:buChar char="•"/>
             </a:pPr>
             <a:r>
-              <a:rPr lang="en-US" dirty="0"/>
+              <a:rPr lang="en-US" sz="2400">
+                <a:solidFill>
+                  <a:srgbClr val="000000"/>
+                </a:solidFill>
+              </a:rPr>
               <a:t>Your name</a:t>
             </a:r>
           </a:p>
           <a:p>
-            <a:pPr marL="800100" lvl="1" indent="-342900" algn="l">
+            <a:pPr marL="800100" lvl="1" indent="-228600" algn="l">
               <a:buFont typeface="Arial" panose="020B0604020202020204" pitchFamily="34" charset="0"/>
               <a:buChar char="•"/>
             </a:pPr>
             <a:r>
-              <a:rPr lang="en-US" dirty="0"/>
+              <a:rPr lang="en-US" sz="2400">
+                <a:solidFill>
+                  <a:srgbClr val="000000"/>
+                </a:solidFill>
+              </a:rPr>
               <a:t>Your role in the company</a:t>
             </a:r>
           </a:p>
           <a:p>
-            <a:pPr marL="800100" lvl="1" indent="-342900" algn="l">
+            <a:pPr marL="800100" lvl="1" indent="-228600" algn="l">
               <a:buFont typeface="Arial" panose="020B0604020202020204" pitchFamily="34" charset="0"/>
               <a:buChar char="•"/>
             </a:pPr>
             <a:r>
-              <a:rPr lang="en-US" dirty="0"/>
+              <a:rPr lang="en-US" sz="2400">
+                <a:solidFill>
+                  <a:srgbClr val="000000"/>
+                </a:solidFill>
+              </a:rPr>
               <a:t>Familiarity with a web application framework</a:t>
             </a:r>
           </a:p>
           <a:p>
-            <a:pPr marL="342900" indent="-342900" algn="l">
+            <a:pPr marL="342900" indent="-228600" algn="l">
               <a:buFont typeface="Arial" panose="020B0604020202020204" pitchFamily="34" charset="0"/>
               <a:buChar char="•"/>
             </a:pPr>
             <a:r>
-              <a:rPr lang="en-US" dirty="0"/>
+              <a:rPr lang="en-US">
+                <a:solidFill>
+                  <a:srgbClr val="000000"/>
+                </a:solidFill>
+              </a:rPr>
               <a:t>Expectations from this course</a:t>
             </a:r>
           </a:p>
@@ -3465,6 +3699,14 @@
 <file path=ppt/slides/slide2.xml><?xml version="1.0" encoding="utf-8"?>
 <p:sld xmlns:a="http://schemas.openxmlformats.org/drawingml/2006/main" xmlns:r="http://schemas.openxmlformats.org/officeDocument/2006/relationships" xmlns:p="http://schemas.openxmlformats.org/presentationml/2006/main">
   <p:cSld>
+    <p:bg>
+      <p:bgPr>
+        <a:solidFill>
+          <a:schemeClr val="bg1"/>
+        </a:solidFill>
+        <a:effectLst/>
+      </p:bgPr>
+    </p:bg>
     <p:spTree>
       <p:nvGrpSpPr>
         <p:cNvPr id="1" name=""/>
@@ -3481,34 +3723,245 @@
       </p:grpSpPr>
       <p:sp>
         <p:nvSpPr>
-          <p:cNvPr id="2" name="Title 1">
-            <a:extLst>
-              <a:ext uri="{FF2B5EF4-FFF2-40B4-BE49-F238E27FC236}">
-                <a16:creationId xmlns:a16="http://schemas.microsoft.com/office/drawing/2014/main" id="{9DE2EC23-ED19-4852-972C-F619CEDBEC6E}"/>
-              </a:ext>
-            </a:extLst>
-          </p:cNvPr>
-          <p:cNvSpPr>
-            <a:spLocks noGrp="1"/>
-          </p:cNvSpPr>
-          <p:nvPr>
-            <p:ph type="ctrTitle"/>
+          <p:cNvPr id="8" name="Rectangle 7">
+            <a:extLst>
+              <a:ext uri="{FF2B5EF4-FFF2-40B4-BE49-F238E27FC236}">
+                <a16:creationId xmlns:a16="http://schemas.microsoft.com/office/drawing/2014/main" id="{2CB6C291-6CAF-46DF-ACFF-AADF0FD03F58}"/>
+              </a:ext>
+              <a:ext uri="{C183D7F6-B498-43B3-948B-1728B52AA6E4}">
+                <adec:decorative xmlns:adec="http://schemas.microsoft.com/office/drawing/2017/decorative" val="1"/>
+              </a:ext>
+            </a:extLst>
+          </p:cNvPr>
+          <p:cNvSpPr>
+            <a:spLocks noGrp="1" noRot="1" noChangeAspect="1" noMove="1" noResize="1" noEditPoints="1" noAdjustHandles="1" noChangeArrowheads="1" noChangeShapeType="1" noTextEdit="1"/>
+          </p:cNvSpPr>
+          <p:nvPr>
+            <p:extLst>
+              <p:ext uri="{386F3935-93C4-4BCD-93E2-E3B085C9AB24}">
+                <p16:designElem xmlns:p16="http://schemas.microsoft.com/office/powerpoint/2015/main" val="1"/>
+              </p:ext>
+            </p:extLst>
           </p:nvPr>
         </p:nvSpPr>
         <p:spPr>
           <a:xfrm>
-            <a:off x="1524000" y="395167"/>
-            <a:ext cx="9144000" cy="831093"/>
+            <a:off x="0" y="0"/>
+            <a:ext cx="10910292" cy="6858000"/>
+          </a:xfrm>
+          <a:prstGeom prst="rect">
+            <a:avLst/>
+          </a:prstGeom>
+          <a:gradFill>
+            <a:gsLst>
+              <a:gs pos="0">
+                <a:schemeClr val="accent1">
+                  <a:lumMod val="90000"/>
+                </a:schemeClr>
+              </a:gs>
+              <a:gs pos="25000">
+                <a:schemeClr val="accent1">
+                  <a:lumMod val="90000"/>
+                </a:schemeClr>
+              </a:gs>
+              <a:gs pos="94000">
+                <a:schemeClr val="bg2">
+                  <a:lumMod val="25000"/>
+                </a:schemeClr>
+              </a:gs>
+              <a:gs pos="100000">
+                <a:schemeClr val="bg2">
+                  <a:lumMod val="25000"/>
+                </a:schemeClr>
+              </a:gs>
+            </a:gsLst>
+            <a:lin ang="4200000" scaled="0"/>
+          </a:gradFill>
+          <a:ln>
+            <a:noFill/>
+          </a:ln>
+        </p:spPr>
+        <p:style>
+          <a:lnRef idx="2">
+            <a:schemeClr val="accent1">
+              <a:shade val="50000"/>
+            </a:schemeClr>
+          </a:lnRef>
+          <a:fillRef idx="1">
+            <a:schemeClr val="accent1"/>
+          </a:fillRef>
+          <a:effectRef idx="0">
+            <a:schemeClr val="accent1"/>
+          </a:effectRef>
+          <a:fontRef idx="minor">
+            <a:schemeClr val="lt1"/>
+          </a:fontRef>
+        </p:style>
+        <p:txBody>
+          <a:bodyPr rtlCol="0" anchor="ctr"/>
+          <a:lstStyle/>
+          <a:p>
+            <a:pPr marL="0" marR="0" lvl="0" indent="0" algn="ctr" defTabSz="914400" rtl="0" eaLnBrk="1" fontAlgn="auto" latinLnBrk="0" hangingPunct="1">
+              <a:lnSpc>
+                <a:spcPct val="100000"/>
+              </a:lnSpc>
+              <a:spcBef>
+                <a:spcPts val="0"/>
+              </a:spcBef>
+              <a:spcAft>
+                <a:spcPts val="0"/>
+              </a:spcAft>
+              <a:buClrTx/>
+              <a:buSzTx/>
+              <a:buFontTx/>
+              <a:buNone/>
+              <a:tabLst/>
+              <a:defRPr/>
+            </a:pPr>
+            <a:endParaRPr kumimoji="0" lang="en-US" sz="1800" b="0" i="0" u="none" strike="noStrike" kern="1200" cap="none" spc="0" normalizeH="0" baseline="0" noProof="0">
+              <a:ln>
+                <a:noFill/>
+              </a:ln>
+              <a:solidFill>
+                <a:prstClr val="white"/>
+              </a:solidFill>
+              <a:effectLst/>
+              <a:uLnTx/>
+              <a:uFillTx/>
+              <a:latin typeface="Calibri" panose="020F0502020204030204"/>
+              <a:ea typeface="+mn-ea"/>
+              <a:cs typeface="+mn-cs"/>
+            </a:endParaRPr>
+          </a:p>
+        </p:txBody>
+      </p:sp>
+      <p:pic>
+        <p:nvPicPr>
+          <p:cNvPr id="10" name="Picture 9">
+            <a:extLst>
+              <a:ext uri="{FF2B5EF4-FFF2-40B4-BE49-F238E27FC236}">
+                <a16:creationId xmlns:a16="http://schemas.microsoft.com/office/drawing/2014/main" id="{1EBADBCA-DA20-4279-93C6-011DEF18AA71}"/>
+              </a:ext>
+              <a:ext uri="{C183D7F6-B498-43B3-948B-1728B52AA6E4}">
+                <adec:decorative xmlns:adec="http://schemas.microsoft.com/office/drawing/2017/decorative" val="1"/>
+              </a:ext>
+            </a:extLst>
+          </p:cNvPr>
+          <p:cNvPicPr>
+            <a:picLocks noGrp="1" noRot="1" noChangeAspect="1" noMove="1" noResize="1" noEditPoints="1" noAdjustHandles="1" noChangeArrowheads="1" noChangeShapeType="1" noCrop="1"/>
+          </p:cNvPicPr>
+          <p:nvPr>
+            <p:extLst>
+              <p:ext uri="{386F3935-93C4-4BCD-93E2-E3B085C9AB24}">
+                <p16:designElem xmlns:p16="http://schemas.microsoft.com/office/powerpoint/2015/main" val="1"/>
+              </p:ext>
+            </p:extLst>
+          </p:nvPr>
+        </p:nvPicPr>
+        <p:blipFill>
+          <a:blip r:embed="rId2">
+            <a:extLst>
+              <a:ext uri="{28A0092B-C50C-407E-A947-70E740481C1C}">
+                <a14:useLocalDpi xmlns:a14="http://schemas.microsoft.com/office/drawing/2010/main" val="0"/>
+              </a:ext>
+            </a:extLst>
+          </a:blip>
+          <a:srcRect l="42953" t="3964" b="3964"/>
+          <a:stretch>
+            <a:fillRect/>
+          </a:stretch>
+        </p:blipFill>
+        <p:spPr>
+          <a:xfrm>
+            <a:off x="0" y="1"/>
+            <a:ext cx="7554138" cy="6857999"/>
+          </a:xfrm>
+          <a:custGeom>
+            <a:avLst/>
+            <a:gdLst>
+              <a:gd name="connsiteX0" fmla="*/ 0 w 7554138"/>
+              <a:gd name="connsiteY0" fmla="*/ 0 h 6857999"/>
+              <a:gd name="connsiteX1" fmla="*/ 7554138 w 7554138"/>
+              <a:gd name="connsiteY1" fmla="*/ 0 h 6857999"/>
+              <a:gd name="connsiteX2" fmla="*/ 7554138 w 7554138"/>
+              <a:gd name="connsiteY2" fmla="*/ 6857999 h 6857999"/>
+              <a:gd name="connsiteX3" fmla="*/ 0 w 7554138"/>
+              <a:gd name="connsiteY3" fmla="*/ 6857999 h 6857999"/>
+            </a:gdLst>
+            <a:ahLst/>
+            <a:cxnLst>
+              <a:cxn ang="0">
+                <a:pos x="connsiteX0" y="connsiteY0"/>
+              </a:cxn>
+              <a:cxn ang="0">
+                <a:pos x="connsiteX1" y="connsiteY1"/>
+              </a:cxn>
+              <a:cxn ang="0">
+                <a:pos x="connsiteX2" y="connsiteY2"/>
+              </a:cxn>
+              <a:cxn ang="0">
+                <a:pos x="connsiteX3" y="connsiteY3"/>
+              </a:cxn>
+            </a:cxnLst>
+            <a:rect l="l" t="t" r="r" b="b"/>
+            <a:pathLst>
+              <a:path w="7554138" h="6857999">
+                <a:moveTo>
+                  <a:pt x="0" y="0"/>
+                </a:moveTo>
+                <a:lnTo>
+                  <a:pt x="7554138" y="0"/>
+                </a:lnTo>
+                <a:lnTo>
+                  <a:pt x="7554138" y="6857999"/>
+                </a:lnTo>
+                <a:lnTo>
+                  <a:pt x="0" y="6857999"/>
+                </a:lnTo>
+                <a:close/>
+              </a:path>
+            </a:pathLst>
+          </a:custGeom>
+        </p:spPr>
+      </p:pic>
+      <p:sp>
+        <p:nvSpPr>
+          <p:cNvPr id="2" name="Title 1">
+            <a:extLst>
+              <a:ext uri="{FF2B5EF4-FFF2-40B4-BE49-F238E27FC236}">
+                <a16:creationId xmlns:a16="http://schemas.microsoft.com/office/drawing/2014/main" id="{9DE2EC23-ED19-4852-972C-F619CEDBEC6E}"/>
+              </a:ext>
+            </a:extLst>
+          </p:cNvPr>
+          <p:cNvSpPr>
+            <a:spLocks noGrp="1"/>
+          </p:cNvSpPr>
+          <p:nvPr>
+            <p:ph type="ctrTitle"/>
+          </p:nvPr>
+        </p:nvSpPr>
+        <p:spPr>
+          <a:xfrm>
+            <a:off x="640080" y="1243013"/>
+            <a:ext cx="3855720" cy="4371974"/>
           </a:xfrm>
         </p:spPr>
         <p:txBody>
-          <a:bodyPr>
-            <a:normAutofit fontScale="90000"/>
+          <a:bodyPr vert="horz" lIns="91440" tIns="45720" rIns="91440" bIns="45720" rtlCol="0" anchor="ctr">
+            <a:normAutofit/>
           </a:bodyPr>
           <a:lstStyle/>
           <a:p>
-            <a:r>
-              <a:rPr lang="en-US" dirty="0"/>
+            <a:pPr algn="l"/>
+            <a:r>
+              <a:rPr lang="en-US" sz="4400" kern="1200">
+                <a:solidFill>
+                  <a:srgbClr val="FFFFFF"/>
+                </a:solidFill>
+                <a:latin typeface="+mj-lt"/>
+                <a:ea typeface="+mj-ea"/>
+                <a:cs typeface="+mj-cs"/>
+              </a:rPr>
               <a:t>Agenda - Typescript</a:t>
             </a:r>
           </a:p>
@@ -3516,68 +3969,147 @@
       </p:sp>
       <p:sp>
         <p:nvSpPr>
-          <p:cNvPr id="3" name="Subtitle 2">
-            <a:extLst>
-              <a:ext uri="{FF2B5EF4-FFF2-40B4-BE49-F238E27FC236}">
-                <a16:creationId xmlns:a16="http://schemas.microsoft.com/office/drawing/2014/main" id="{8AEF956F-07BB-4627-A164-34C27D8F8BDA}"/>
-              </a:ext>
-            </a:extLst>
-          </p:cNvPr>
-          <p:cNvSpPr>
-            <a:spLocks noGrp="1"/>
-          </p:cNvSpPr>
-          <p:nvPr>
-            <p:ph type="subTitle" idx="1"/>
+          <p:cNvPr id="12" name="Rectangle 11">
+            <a:extLst>
+              <a:ext uri="{FF2B5EF4-FFF2-40B4-BE49-F238E27FC236}">
+                <a16:creationId xmlns:a16="http://schemas.microsoft.com/office/drawing/2014/main" id="{4735DC46-5663-471D-AADB-81E00E65BCC6}"/>
+              </a:ext>
+              <a:ext uri="{C183D7F6-B498-43B3-948B-1728B52AA6E4}">
+                <adec:decorative xmlns:adec="http://schemas.microsoft.com/office/drawing/2017/decorative" val="1"/>
+              </a:ext>
+            </a:extLst>
+          </p:cNvPr>
+          <p:cNvSpPr>
+            <a:spLocks noGrp="1" noRot="1" noChangeAspect="1" noMove="1" noResize="1" noEditPoints="1" noAdjustHandles="1" noChangeArrowheads="1" noChangeShapeType="1" noTextEdit="1"/>
+          </p:cNvSpPr>
+          <p:nvPr>
+            <p:extLst>
+              <p:ext uri="{386F3935-93C4-4BCD-93E2-E3B085C9AB24}">
+                <p16:designElem xmlns:p16="http://schemas.microsoft.com/office/powerpoint/2015/main" val="1"/>
+              </p:ext>
+            </p:extLst>
           </p:nvPr>
         </p:nvSpPr>
         <p:spPr>
           <a:xfrm>
-            <a:off x="1491835" y="1226259"/>
-            <a:ext cx="9144000" cy="4999931"/>
+            <a:off x="6800850" y="0"/>
+            <a:ext cx="5391150" cy="6858000"/>
+          </a:xfrm>
+          <a:prstGeom prst="rect">
+            <a:avLst/>
+          </a:prstGeom>
+          <a:solidFill>
+            <a:srgbClr val="FFFFFF"/>
+          </a:solidFill>
+          <a:ln>
+            <a:noFill/>
+          </a:ln>
+        </p:spPr>
+        <p:style>
+          <a:lnRef idx="2">
+            <a:schemeClr val="accent1">
+              <a:shade val="50000"/>
+            </a:schemeClr>
+          </a:lnRef>
+          <a:fillRef idx="1">
+            <a:schemeClr val="accent1"/>
+          </a:fillRef>
+          <a:effectRef idx="0">
+            <a:schemeClr val="accent1"/>
+          </a:effectRef>
+          <a:fontRef idx="minor">
+            <a:schemeClr val="lt1"/>
+          </a:fontRef>
+        </p:style>
+        <p:txBody>
+          <a:bodyPr rtlCol="0" anchor="ctr"/>
+          <a:lstStyle/>
+          <a:p>
+            <a:pPr algn="ctr"/>
+            <a:endParaRPr lang="en-US"/>
+          </a:p>
+        </p:txBody>
+      </p:sp>
+      <p:sp>
+        <p:nvSpPr>
+          <p:cNvPr id="3" name="Subtitle 2">
+            <a:extLst>
+              <a:ext uri="{FF2B5EF4-FFF2-40B4-BE49-F238E27FC236}">
+                <a16:creationId xmlns:a16="http://schemas.microsoft.com/office/drawing/2014/main" id="{8AEF956F-07BB-4627-A164-34C27D8F8BDA}"/>
+              </a:ext>
+            </a:extLst>
+          </p:cNvPr>
+          <p:cNvSpPr>
+            <a:spLocks noGrp="1"/>
+          </p:cNvSpPr>
+          <p:nvPr>
+            <p:ph type="subTitle" idx="1"/>
+          </p:nvPr>
+        </p:nvSpPr>
+        <p:spPr>
+          <a:xfrm>
+            <a:off x="6172200" y="804672"/>
+            <a:ext cx="5221224" cy="5230368"/>
           </a:xfrm>
         </p:spPr>
         <p:txBody>
-          <a:bodyPr>
+          <a:bodyPr vert="horz" lIns="91440" tIns="45720" rIns="91440" bIns="45720" rtlCol="0" anchor="ctr">
             <a:normAutofit/>
           </a:bodyPr>
           <a:lstStyle/>
           <a:p>
-            <a:pPr marL="342900" lvl="0" indent="-342900" algn="l">
+            <a:pPr marL="342900" lvl="0" indent="-228600" algn="l">
               <a:buFont typeface="Arial" panose="020B0604020202020204" pitchFamily="34" charset="0"/>
               <a:buChar char="•"/>
             </a:pPr>
             <a:r>
-              <a:rPr lang="en-US" dirty="0"/>
+              <a:rPr lang="en-US">
+                <a:solidFill>
+                  <a:srgbClr val="000000"/>
+                </a:solidFill>
+              </a:rPr>
               <a:t>Introduction – Typescript</a:t>
             </a:r>
           </a:p>
           <a:p>
-            <a:pPr marL="342900" lvl="0" indent="-342900" algn="l">
+            <a:pPr marL="342900" lvl="0" indent="-228600" algn="l">
               <a:buFont typeface="Arial" panose="020B0604020202020204" pitchFamily="34" charset="0"/>
               <a:buChar char="•"/>
             </a:pPr>
             <a:r>
-              <a:rPr lang="en-US" dirty="0"/>
+              <a:rPr lang="en-US">
+                <a:solidFill>
+                  <a:srgbClr val="000000"/>
+                </a:solidFill>
+              </a:rPr>
               <a:t>Typing, Variables, and Functions</a:t>
             </a:r>
           </a:p>
           <a:p>
-            <a:pPr marL="342900" lvl="0" indent="-342900" algn="l">
+            <a:pPr marL="342900" lvl="0" indent="-228600" algn="l">
               <a:buFont typeface="Arial" panose="020B0604020202020204" pitchFamily="34" charset="0"/>
               <a:buChar char="•"/>
             </a:pPr>
             <a:r>
-              <a:rPr lang="en-US" dirty="0"/>
+              <a:rPr lang="en-US">
+                <a:solidFill>
+                  <a:srgbClr val="000000"/>
+                </a:solidFill>
+              </a:rPr>
               <a:t>Classes and Interfaces</a:t>
             </a:r>
           </a:p>
           <a:p>
-            <a:pPr marL="342900" lvl="0" indent="-342900" algn="l">
+            <a:pPr marL="342900" lvl="0" indent="-228600" algn="l">
               <a:buFont typeface="Arial" panose="020B0604020202020204" pitchFamily="34" charset="0"/>
               <a:buChar char="•"/>
             </a:pPr>
             <a:r>
-              <a:rPr lang="en-US" dirty="0"/>
+              <a:rPr lang="en-US">
+                <a:solidFill>
+                  <a:srgbClr val="000000"/>
+                </a:solidFill>
+              </a:rPr>
               <a:t>Modules</a:t>
             </a:r>
           </a:p>
@@ -3591,7 +4123,7 @@
     </p:extLst>
   </p:cSld>
   <p:clrMapOvr>
-    <a:masterClrMapping/>
+    <a:overrideClrMapping bg1="dk1" tx1="lt1" bg2="dk2" tx2="lt2" accent1="accent1" accent2="accent2" accent3="accent3" accent4="accent4" accent5="accent5" accent6="accent6" hlink="hlink" folHlink="folHlink"/>
   </p:clrMapOvr>
 </p:sld>
 </file>
@@ -3599,6 +4131,14 @@
 <file path=ppt/slides/slide3.xml><?xml version="1.0" encoding="utf-8"?>
 <p:sld xmlns:a="http://schemas.openxmlformats.org/drawingml/2006/main" xmlns:r="http://schemas.openxmlformats.org/officeDocument/2006/relationships" xmlns:p="http://schemas.openxmlformats.org/presentationml/2006/main">
   <p:cSld>
+    <p:bg>
+      <p:bgPr>
+        <a:solidFill>
+          <a:schemeClr val="bg1"/>
+        </a:solidFill>
+        <a:effectLst/>
+      </p:bgPr>
+    </p:bg>
     <p:spTree>
       <p:nvGrpSpPr>
         <p:cNvPr id="1" name=""/>
@@ -3613,36 +4153,234 @@
           <a:chExt cx="0" cy="0"/>
         </a:xfrm>
       </p:grpSpPr>
-      <p:sp>
-        <p:nvSpPr>
-          <p:cNvPr id="2" name="Title 1">
-            <a:extLst>
-              <a:ext uri="{FF2B5EF4-FFF2-40B4-BE49-F238E27FC236}">
-                <a16:creationId xmlns:a16="http://schemas.microsoft.com/office/drawing/2014/main" id="{09F92286-2655-4A91-97B0-84602EC5188B}"/>
-              </a:ext>
-            </a:extLst>
-          </p:cNvPr>
-          <p:cNvSpPr>
-            <a:spLocks noGrp="1"/>
-          </p:cNvSpPr>
-          <p:nvPr>
-            <p:ph type="ctrTitle"/>
+      <p:sp useBgFill="1">
+        <p:nvSpPr>
+          <p:cNvPr id="8" name="Rectangle 7">
+            <a:extLst>
+              <a:ext uri="{FF2B5EF4-FFF2-40B4-BE49-F238E27FC236}">
+                <a16:creationId xmlns:a16="http://schemas.microsoft.com/office/drawing/2014/main" id="{3B854194-185D-494D-905C-7C7CB2E30F6E}"/>
+              </a:ext>
+              <a:ext uri="{C183D7F6-B498-43B3-948B-1728B52AA6E4}">
+                <adec:decorative xmlns:adec="http://schemas.microsoft.com/office/drawing/2017/decorative" val="1"/>
+              </a:ext>
+            </a:extLst>
+          </p:cNvPr>
+          <p:cNvSpPr>
+            <a:spLocks noGrp="1" noRot="1" noChangeAspect="1" noMove="1" noResize="1" noEditPoints="1" noAdjustHandles="1" noChangeArrowheads="1" noChangeShapeType="1" noTextEdit="1"/>
+          </p:cNvSpPr>
+          <p:nvPr>
+            <p:extLst>
+              <p:ext uri="{386F3935-93C4-4BCD-93E2-E3B085C9AB24}">
+                <p16:designElem xmlns:p16="http://schemas.microsoft.com/office/powerpoint/2015/main" val="1"/>
+              </p:ext>
+            </p:extLst>
           </p:nvPr>
         </p:nvSpPr>
         <p:spPr>
           <a:xfrm>
-            <a:off x="1524000" y="546801"/>
-            <a:ext cx="9144000" cy="849473"/>
+            <a:off x="1" y="0"/>
+            <a:ext cx="6082110" cy="6858000"/>
+          </a:xfrm>
+          <a:prstGeom prst="rect">
+            <a:avLst/>
+          </a:prstGeom>
+          <a:ln>
+            <a:noFill/>
+          </a:ln>
+        </p:spPr>
+        <p:style>
+          <a:lnRef idx="2">
+            <a:schemeClr val="accent1">
+              <a:shade val="50000"/>
+            </a:schemeClr>
+          </a:lnRef>
+          <a:fillRef idx="1">
+            <a:schemeClr val="accent1"/>
+          </a:fillRef>
+          <a:effectRef idx="0">
+            <a:schemeClr val="accent1"/>
+          </a:effectRef>
+          <a:fontRef idx="minor">
+            <a:schemeClr val="lt1"/>
+          </a:fontRef>
+        </p:style>
+        <p:txBody>
+          <a:bodyPr rtlCol="0" anchor="ctr"/>
+          <a:lstStyle/>
+          <a:p>
+            <a:pPr algn="ctr"/>
+            <a:endParaRPr lang="en-US"/>
+          </a:p>
+        </p:txBody>
+      </p:sp>
+      <p:sp>
+        <p:nvSpPr>
+          <p:cNvPr id="10" name="Rectangle 9">
+            <a:extLst>
+              <a:ext uri="{FF2B5EF4-FFF2-40B4-BE49-F238E27FC236}">
+                <a16:creationId xmlns:a16="http://schemas.microsoft.com/office/drawing/2014/main" id="{B4F5FA0D-0104-4987-8241-EFF7C85B88DE}"/>
+              </a:ext>
+              <a:ext uri="{C183D7F6-B498-43B3-948B-1728B52AA6E4}">
+                <adec:decorative xmlns:adec="http://schemas.microsoft.com/office/drawing/2017/decorative" val="1"/>
+              </a:ext>
+            </a:extLst>
+          </p:cNvPr>
+          <p:cNvSpPr>
+            <a:spLocks noGrp="1" noRot="1" noChangeAspect="1" noMove="1" noResize="1" noEditPoints="1" noAdjustHandles="1" noChangeArrowheads="1" noChangeShapeType="1" noTextEdit="1"/>
+          </p:cNvSpPr>
+          <p:nvPr>
+            <p:extLst>
+              <p:ext uri="{386F3935-93C4-4BCD-93E2-E3B085C9AB24}">
+                <p16:designElem xmlns:p16="http://schemas.microsoft.com/office/powerpoint/2015/main" val="1"/>
+              </p:ext>
+            </p:extLst>
+          </p:nvPr>
+        </p:nvSpPr>
+        <p:spPr>
+          <a:xfrm>
+            <a:off x="1" y="0"/>
+            <a:ext cx="12191998" cy="6858000"/>
+          </a:xfrm>
+          <a:prstGeom prst="rect">
+            <a:avLst/>
+          </a:prstGeom>
+          <a:gradFill>
+            <a:gsLst>
+              <a:gs pos="0">
+                <a:schemeClr val="accent1">
+                  <a:lumMod val="90000"/>
+                </a:schemeClr>
+              </a:gs>
+              <a:gs pos="25000">
+                <a:schemeClr val="accent1">
+                  <a:lumMod val="90000"/>
+                </a:schemeClr>
+              </a:gs>
+              <a:gs pos="94000">
+                <a:schemeClr val="bg2">
+                  <a:lumMod val="25000"/>
+                </a:schemeClr>
+              </a:gs>
+              <a:gs pos="100000">
+                <a:schemeClr val="bg2">
+                  <a:lumMod val="25000"/>
+                </a:schemeClr>
+              </a:gs>
+            </a:gsLst>
+            <a:lin ang="4200000" scaled="0"/>
+          </a:gradFill>
+          <a:ln>
+            <a:noFill/>
+          </a:ln>
+        </p:spPr>
+        <p:style>
+          <a:lnRef idx="2">
+            <a:schemeClr val="accent1">
+              <a:shade val="50000"/>
+            </a:schemeClr>
+          </a:lnRef>
+          <a:fillRef idx="1">
+            <a:schemeClr val="accent1"/>
+          </a:fillRef>
+          <a:effectRef idx="0">
+            <a:schemeClr val="accent1"/>
+          </a:effectRef>
+          <a:fontRef idx="minor">
+            <a:schemeClr val="lt1"/>
+          </a:fontRef>
+        </p:style>
+        <p:txBody>
+          <a:bodyPr rtlCol="0" anchor="ctr"/>
+          <a:lstStyle/>
+          <a:p>
+            <a:pPr algn="ctr"/>
+            <a:endParaRPr lang="en-US"/>
+          </a:p>
+        </p:txBody>
+      </p:sp>
+      <p:pic>
+        <p:nvPicPr>
+          <p:cNvPr id="12" name="Picture 11">
+            <a:extLst>
+              <a:ext uri="{FF2B5EF4-FFF2-40B4-BE49-F238E27FC236}">
+                <a16:creationId xmlns:a16="http://schemas.microsoft.com/office/drawing/2014/main" id="{2897127E-6CEF-446C-BE87-93B7C46E49D1}"/>
+              </a:ext>
+              <a:ext uri="{C183D7F6-B498-43B3-948B-1728B52AA6E4}">
+                <adec:decorative xmlns:adec="http://schemas.microsoft.com/office/drawing/2017/decorative" val="1"/>
+              </a:ext>
+            </a:extLst>
+          </p:cNvPr>
+          <p:cNvPicPr>
+            <a:picLocks noGrp="1" noRot="1" noChangeAspect="1" noMove="1" noResize="1" noEditPoints="1" noAdjustHandles="1" noChangeArrowheads="1" noChangeShapeType="1" noCrop="1"/>
+          </p:cNvPicPr>
+          <p:nvPr>
+            <p:extLst>
+              <p:ext uri="{386F3935-93C4-4BCD-93E2-E3B085C9AB24}">
+                <p16:designElem xmlns:p16="http://schemas.microsoft.com/office/powerpoint/2015/main" val="1"/>
+              </p:ext>
+            </p:extLst>
+          </p:nvPr>
+        </p:nvPicPr>
+        <p:blipFill>
+          <a:blip r:embed="rId2">
+            <a:extLst>
+              <a:ext uri="{28A0092B-C50C-407E-A947-70E740481C1C}">
+                <a14:useLocalDpi xmlns:a14="http://schemas.microsoft.com/office/drawing/2010/main" val="0"/>
+              </a:ext>
+            </a:extLst>
+          </a:blip>
+          <a:stretch>
+            <a:fillRect/>
+          </a:stretch>
+        </p:blipFill>
+        <p:spPr>
+          <a:xfrm>
+            <a:off x="0" y="0"/>
+            <a:ext cx="12192000" cy="6858000"/>
+          </a:xfrm>
+          <a:prstGeom prst="rect">
+            <a:avLst/>
+          </a:prstGeom>
+        </p:spPr>
+      </p:pic>
+      <p:sp>
+        <p:nvSpPr>
+          <p:cNvPr id="2" name="Title 1">
+            <a:extLst>
+              <a:ext uri="{FF2B5EF4-FFF2-40B4-BE49-F238E27FC236}">
+                <a16:creationId xmlns:a16="http://schemas.microsoft.com/office/drawing/2014/main" id="{09F92286-2655-4A91-97B0-84602EC5188B}"/>
+              </a:ext>
+            </a:extLst>
+          </p:cNvPr>
+          <p:cNvSpPr>
+            <a:spLocks noGrp="1"/>
+          </p:cNvSpPr>
+          <p:nvPr>
+            <p:ph type="ctrTitle"/>
+          </p:nvPr>
+        </p:nvSpPr>
+        <p:spPr>
+          <a:xfrm>
+            <a:off x="640079" y="2053641"/>
+            <a:ext cx="3669161" cy="2760098"/>
           </a:xfrm>
         </p:spPr>
         <p:txBody>
-          <a:bodyPr>
-            <a:normAutofit fontScale="90000"/>
+          <a:bodyPr vert="horz" lIns="91440" tIns="45720" rIns="91440" bIns="45720" rtlCol="0" anchor="ctr">
+            <a:normAutofit/>
           </a:bodyPr>
           <a:lstStyle/>
           <a:p>
-            <a:r>
-              <a:rPr lang="en-US" dirty="0"/>
+            <a:pPr algn="l"/>
+            <a:r>
+              <a:rPr lang="en-US" sz="4400" kern="1200">
+                <a:solidFill>
+                  <a:srgbClr val="FFFFFF"/>
+                </a:solidFill>
+                <a:latin typeface="+mj-lt"/>
+                <a:ea typeface="+mj-ea"/>
+                <a:cs typeface="+mj-cs"/>
+              </a:rPr>
               <a:t>Agenda - Angular</a:t>
             </a:r>
           </a:p>
@@ -3666,180 +4404,236 @@
         </p:nvSpPr>
         <p:spPr>
           <a:xfrm>
-            <a:off x="1524000" y="1456607"/>
-            <a:ext cx="9144000" cy="4912028"/>
+            <a:off x="6090574" y="801866"/>
+            <a:ext cx="5306084" cy="5230634"/>
           </a:xfrm>
         </p:spPr>
         <p:txBody>
-          <a:bodyPr>
-            <a:normAutofit fontScale="70000" lnSpcReduction="20000"/>
+          <a:bodyPr vert="horz" lIns="91440" tIns="45720" rIns="91440" bIns="45720" rtlCol="0" anchor="ctr">
+            <a:normAutofit/>
           </a:bodyPr>
           <a:lstStyle/>
           <a:p>
-            <a:pPr marL="342900" lvl="0" indent="-342900" algn="l">
+            <a:pPr marL="342900" lvl="0" indent="-228600" algn="l">
               <a:buFont typeface="Arial" panose="020B0604020202020204" pitchFamily="34" charset="0"/>
               <a:buChar char="•"/>
             </a:pPr>
             <a:r>
-              <a:rPr lang="en-US" dirty="0"/>
+              <a:rPr lang="en-US" sz="1300">
+                <a:solidFill>
+                  <a:srgbClr val="000000"/>
+                </a:solidFill>
+              </a:rPr>
               <a:t>Getting Started With Angular</a:t>
             </a:r>
           </a:p>
           <a:p>
-            <a:pPr marL="342900" lvl="0" indent="-342900" algn="l">
+            <a:pPr marL="342900" lvl="0" indent="-228600" algn="l">
               <a:buFont typeface="Arial" panose="020B0604020202020204" pitchFamily="34" charset="0"/>
               <a:buChar char="•"/>
             </a:pPr>
             <a:r>
-              <a:rPr lang="en-US" dirty="0"/>
+              <a:rPr lang="en-US" sz="1300">
+                <a:solidFill>
+                  <a:srgbClr val="000000"/>
+                </a:solidFill>
+              </a:rPr>
               <a:t>Creating and Communicating Between Angular Components</a:t>
             </a:r>
           </a:p>
           <a:p>
-            <a:pPr marL="342900" lvl="0" indent="-342900" algn="l">
+            <a:pPr marL="342900" lvl="0" indent="-228600" algn="l">
               <a:buFont typeface="Arial" panose="020B0604020202020204" pitchFamily="34" charset="0"/>
               <a:buChar char="•"/>
             </a:pPr>
             <a:r>
-              <a:rPr lang="en-US" dirty="0"/>
+              <a:rPr lang="en-US" sz="1300">
+                <a:solidFill>
+                  <a:srgbClr val="000000"/>
+                </a:solidFill>
+              </a:rPr>
               <a:t>Exploring the Angular Template Syntax</a:t>
             </a:r>
           </a:p>
           <a:p>
-            <a:pPr marL="342900" lvl="0" indent="-342900" algn="l">
+            <a:pPr marL="342900" lvl="0" indent="-228600" algn="l">
               <a:buFont typeface="Arial" panose="020B0604020202020204" pitchFamily="34" charset="0"/>
               <a:buChar char="•"/>
             </a:pPr>
             <a:r>
-              <a:rPr lang="en-US" dirty="0"/>
+              <a:rPr lang="en-US" sz="1300">
+                <a:solidFill>
+                  <a:srgbClr val="000000"/>
+                </a:solidFill>
+              </a:rPr>
               <a:t>Creating Reusable Angular Services</a:t>
             </a:r>
           </a:p>
           <a:p>
-            <a:pPr marL="342900" lvl="0" indent="-342900" algn="l">
+            <a:pPr marL="342900" lvl="0" indent="-228600" algn="l">
               <a:buFont typeface="Arial" panose="020B0604020202020204" pitchFamily="34" charset="0"/>
               <a:buChar char="•"/>
             </a:pPr>
             <a:r>
-              <a:rPr lang="en-US" dirty="0"/>
+              <a:rPr lang="en-US" sz="1300">
+                <a:solidFill>
+                  <a:srgbClr val="000000"/>
+                </a:solidFill>
+              </a:rPr>
               <a:t>Routing and Navigating Pages</a:t>
             </a:r>
           </a:p>
           <a:p>
-            <a:pPr marL="342900" lvl="0" indent="-342900" algn="l">
+            <a:pPr marL="342900" lvl="0" indent="-228600" algn="l">
               <a:buFont typeface="Arial" panose="020B0604020202020204" pitchFamily="34" charset="0"/>
               <a:buChar char="•"/>
             </a:pPr>
             <a:r>
-              <a:rPr lang="en-US" dirty="0"/>
+              <a:rPr lang="en-US" sz="1300">
+                <a:solidFill>
+                  <a:srgbClr val="000000"/>
+                </a:solidFill>
+              </a:rPr>
               <a:t>Collecting Data with Angular Forms and Validation</a:t>
             </a:r>
           </a:p>
           <a:p>
-            <a:pPr marL="342900" lvl="0" indent="-342900" algn="l">
+            <a:pPr marL="342900" lvl="0" indent="-228600" algn="l">
               <a:buFont typeface="Arial" panose="020B0604020202020204" pitchFamily="34" charset="0"/>
               <a:buChar char="•"/>
             </a:pPr>
             <a:r>
-              <a:rPr lang="en-US" dirty="0"/>
+              <a:rPr lang="en-US" sz="1300">
+                <a:solidFill>
+                  <a:srgbClr val="000000"/>
+                </a:solidFill>
+              </a:rPr>
               <a:t>Communicating Between Components Detailed</a:t>
             </a:r>
           </a:p>
           <a:p>
-            <a:pPr marL="342900" lvl="0" indent="-342900" algn="l">
+            <a:pPr marL="342900" lvl="0" indent="-228600" algn="l">
               <a:buFont typeface="Arial" panose="020B0604020202020204" pitchFamily="34" charset="0"/>
               <a:buChar char="•"/>
             </a:pPr>
             <a:r>
-              <a:rPr lang="en-US" dirty="0"/>
+              <a:rPr lang="en-US" sz="1300">
+                <a:solidFill>
+                  <a:srgbClr val="000000"/>
+                </a:solidFill>
+              </a:rPr>
               <a:t>Reusing Components with Content Projection</a:t>
             </a:r>
           </a:p>
           <a:p>
-            <a:pPr marL="342900" lvl="0" indent="-342900" algn="l">
+            <a:pPr marL="342900" lvl="0" indent="-228600" algn="l">
               <a:buFont typeface="Arial" panose="020B0604020202020204" pitchFamily="34" charset="0"/>
               <a:buChar char="•"/>
             </a:pPr>
             <a:r>
-              <a:rPr lang="en-US" dirty="0"/>
+              <a:rPr lang="en-US" sz="1300">
+                <a:solidFill>
+                  <a:srgbClr val="000000"/>
+                </a:solidFill>
+              </a:rPr>
               <a:t>Displaying Data With Pipes</a:t>
             </a:r>
           </a:p>
           <a:p>
-            <a:pPr marL="342900" lvl="0" indent="-342900" algn="l">
+            <a:pPr marL="342900" lvl="0" indent="-228600" algn="l">
               <a:buFont typeface="Arial" panose="020B0604020202020204" pitchFamily="34" charset="0"/>
               <a:buChar char="•"/>
             </a:pPr>
             <a:r>
-              <a:rPr lang="en-US" dirty="0"/>
-              <a:t>Understanding </a:t>
-            </a:r>
-            <a:r>
-              <a:rPr lang="en-US" dirty="0" err="1"/>
-              <a:t>Angular's</a:t>
-            </a:r>
-            <a:r>
-              <a:rPr lang="en-US" dirty="0"/>
-              <a:t> Dependency Injection</a:t>
-            </a:r>
-          </a:p>
-          <a:p>
-            <a:pPr marL="342900" lvl="0" indent="-342900" algn="l">
+              <a:rPr lang="en-US" sz="1300">
+                <a:solidFill>
+                  <a:srgbClr val="000000"/>
+                </a:solidFill>
+              </a:rPr>
+              <a:t>Understanding Angular's Dependency Injection</a:t>
+            </a:r>
+          </a:p>
+          <a:p>
+            <a:pPr marL="342900" lvl="0" indent="-228600" algn="l">
               <a:buFont typeface="Arial" panose="020B0604020202020204" pitchFamily="34" charset="0"/>
               <a:buChar char="•"/>
             </a:pPr>
             <a:r>
-              <a:rPr lang="en-US" dirty="0"/>
+              <a:rPr lang="en-US" sz="1300">
+                <a:solidFill>
+                  <a:srgbClr val="000000"/>
+                </a:solidFill>
+              </a:rPr>
               <a:t>Creating Directives and Advanced Components in Angular</a:t>
             </a:r>
           </a:p>
           <a:p>
-            <a:pPr marL="342900" lvl="0" indent="-342900" algn="l">
+            <a:pPr marL="342900" lvl="0" indent="-228600" algn="l">
               <a:buFont typeface="Arial" panose="020B0604020202020204" pitchFamily="34" charset="0"/>
               <a:buChar char="•"/>
             </a:pPr>
             <a:r>
-              <a:rPr lang="en-US" dirty="0"/>
+              <a:rPr lang="en-US" sz="1300">
+                <a:solidFill>
+                  <a:srgbClr val="000000"/>
+                </a:solidFill>
+              </a:rPr>
               <a:t>More Components and Custom Validators</a:t>
             </a:r>
           </a:p>
           <a:p>
-            <a:pPr marL="342900" lvl="0" indent="-342900" algn="l">
+            <a:pPr marL="342900" lvl="0" indent="-228600" algn="l">
               <a:buFont typeface="Arial" panose="020B0604020202020204" pitchFamily="34" charset="0"/>
               <a:buChar char="•"/>
             </a:pPr>
             <a:r>
-              <a:rPr lang="en-US" dirty="0"/>
+              <a:rPr lang="en-US" sz="1300">
+                <a:solidFill>
+                  <a:srgbClr val="000000"/>
+                </a:solidFill>
+              </a:rPr>
               <a:t>Communicating with Server Using Http, Observables and Rx</a:t>
             </a:r>
           </a:p>
           <a:p>
-            <a:pPr marL="342900" lvl="0" indent="-342900" algn="l">
+            <a:pPr marL="342900" lvl="0" indent="-228600" algn="l">
               <a:buFont typeface="Arial" panose="020B0604020202020204" pitchFamily="34" charset="0"/>
               <a:buChar char="•"/>
             </a:pPr>
             <a:r>
-              <a:rPr lang="en-US" dirty="0"/>
+              <a:rPr lang="en-US" sz="1300">
+                <a:solidFill>
+                  <a:srgbClr val="000000"/>
+                </a:solidFill>
+              </a:rPr>
               <a:t>Unit Testing Your Angular Code</a:t>
             </a:r>
           </a:p>
           <a:p>
-            <a:pPr marL="342900" lvl="0" indent="-342900" algn="l">
+            <a:pPr marL="342900" lvl="0" indent="-228600" algn="l">
               <a:buFont typeface="Arial" panose="020B0604020202020204" pitchFamily="34" charset="0"/>
               <a:buChar char="•"/>
             </a:pPr>
             <a:r>
-              <a:rPr lang="en-US" dirty="0"/>
+              <a:rPr lang="en-US" sz="1300">
+                <a:solidFill>
+                  <a:srgbClr val="000000"/>
+                </a:solidFill>
+              </a:rPr>
               <a:t>Testing Angular Components with Integrated Tests</a:t>
             </a:r>
           </a:p>
           <a:p>
-            <a:pPr marL="342900" indent="-342900" algn="l">
+            <a:pPr marL="342900" indent="-228600" algn="l">
               <a:buFont typeface="Arial" panose="020B0604020202020204" pitchFamily="34" charset="0"/>
               <a:buChar char="•"/>
             </a:pPr>
             <a:r>
-              <a:rPr lang="en-US" dirty="0"/>
+              <a:rPr lang="en-US" sz="1300">
+                <a:solidFill>
+                  <a:srgbClr val="000000"/>
+                </a:solidFill>
+              </a:rPr>
               <a:t>Taking an Angular App to Production</a:t>
             </a:r>
           </a:p>
@@ -3861,6 +4655,14 @@
 <file path=ppt/slides/slide4.xml><?xml version="1.0" encoding="utf-8"?>
 <p:sld xmlns:a="http://schemas.openxmlformats.org/drawingml/2006/main" xmlns:r="http://schemas.openxmlformats.org/officeDocument/2006/relationships" xmlns:p="http://schemas.openxmlformats.org/presentationml/2006/main">
   <p:cSld>
+    <p:bg>
+      <p:bgPr>
+        <a:solidFill>
+          <a:schemeClr val="bg1"/>
+        </a:solidFill>
+        <a:effectLst/>
+      </p:bgPr>
+    </p:bg>
     <p:spTree>
       <p:nvGrpSpPr>
         <p:cNvPr id="1" name=""/>
@@ -3875,34 +4677,234 @@
           <a:chExt cx="0" cy="0"/>
         </a:xfrm>
       </p:grpSpPr>
-      <p:sp>
-        <p:nvSpPr>
-          <p:cNvPr id="2" name="Title 1">
-            <a:extLst>
-              <a:ext uri="{FF2B5EF4-FFF2-40B4-BE49-F238E27FC236}">
-                <a16:creationId xmlns:a16="http://schemas.microsoft.com/office/drawing/2014/main" id="{B07A03E8-4EAF-4BFF-B987-781CC71F538F}"/>
-              </a:ext>
-            </a:extLst>
-          </p:cNvPr>
-          <p:cNvSpPr>
-            <a:spLocks noGrp="1"/>
-          </p:cNvSpPr>
-          <p:nvPr>
-            <p:ph type="ctrTitle"/>
+      <p:sp useBgFill="1">
+        <p:nvSpPr>
+          <p:cNvPr id="8" name="Rectangle 7">
+            <a:extLst>
+              <a:ext uri="{FF2B5EF4-FFF2-40B4-BE49-F238E27FC236}">
+                <a16:creationId xmlns:a16="http://schemas.microsoft.com/office/drawing/2014/main" id="{3B854194-185D-494D-905C-7C7CB2E30F6E}"/>
+              </a:ext>
+              <a:ext uri="{C183D7F6-B498-43B3-948B-1728B52AA6E4}">
+                <adec:decorative xmlns:adec="http://schemas.microsoft.com/office/drawing/2017/decorative" val="1"/>
+              </a:ext>
+            </a:extLst>
+          </p:cNvPr>
+          <p:cNvSpPr>
+            <a:spLocks noGrp="1" noRot="1" noChangeAspect="1" noMove="1" noResize="1" noEditPoints="1" noAdjustHandles="1" noChangeArrowheads="1" noChangeShapeType="1" noTextEdit="1"/>
+          </p:cNvSpPr>
+          <p:nvPr>
+            <p:extLst>
+              <p:ext uri="{386F3935-93C4-4BCD-93E2-E3B085C9AB24}">
+                <p16:designElem xmlns:p16="http://schemas.microsoft.com/office/powerpoint/2015/main" val="1"/>
+              </p:ext>
+            </p:extLst>
           </p:nvPr>
         </p:nvSpPr>
         <p:spPr>
           <a:xfrm>
-            <a:off x="1005533" y="487066"/>
-            <a:ext cx="10180933" cy="936777"/>
+            <a:off x="1" y="0"/>
+            <a:ext cx="6082110" cy="6858000"/>
+          </a:xfrm>
+          <a:prstGeom prst="rect">
+            <a:avLst/>
+          </a:prstGeom>
+          <a:ln>
+            <a:noFill/>
+          </a:ln>
+        </p:spPr>
+        <p:style>
+          <a:lnRef idx="2">
+            <a:schemeClr val="accent1">
+              <a:shade val="50000"/>
+            </a:schemeClr>
+          </a:lnRef>
+          <a:fillRef idx="1">
+            <a:schemeClr val="accent1"/>
+          </a:fillRef>
+          <a:effectRef idx="0">
+            <a:schemeClr val="accent1"/>
+          </a:effectRef>
+          <a:fontRef idx="minor">
+            <a:schemeClr val="lt1"/>
+          </a:fontRef>
+        </p:style>
+        <p:txBody>
+          <a:bodyPr rtlCol="0" anchor="ctr"/>
+          <a:lstStyle/>
+          <a:p>
+            <a:pPr algn="ctr"/>
+            <a:endParaRPr lang="en-US"/>
+          </a:p>
+        </p:txBody>
+      </p:sp>
+      <p:sp>
+        <p:nvSpPr>
+          <p:cNvPr id="10" name="Rectangle 9">
+            <a:extLst>
+              <a:ext uri="{FF2B5EF4-FFF2-40B4-BE49-F238E27FC236}">
+                <a16:creationId xmlns:a16="http://schemas.microsoft.com/office/drawing/2014/main" id="{B4F5FA0D-0104-4987-8241-EFF7C85B88DE}"/>
+              </a:ext>
+              <a:ext uri="{C183D7F6-B498-43B3-948B-1728B52AA6E4}">
+                <adec:decorative xmlns:adec="http://schemas.microsoft.com/office/drawing/2017/decorative" val="1"/>
+              </a:ext>
+            </a:extLst>
+          </p:cNvPr>
+          <p:cNvSpPr>
+            <a:spLocks noGrp="1" noRot="1" noChangeAspect="1" noMove="1" noResize="1" noEditPoints="1" noAdjustHandles="1" noChangeArrowheads="1" noChangeShapeType="1" noTextEdit="1"/>
+          </p:cNvSpPr>
+          <p:nvPr>
+            <p:extLst>
+              <p:ext uri="{386F3935-93C4-4BCD-93E2-E3B085C9AB24}">
+                <p16:designElem xmlns:p16="http://schemas.microsoft.com/office/powerpoint/2015/main" val="1"/>
+              </p:ext>
+            </p:extLst>
+          </p:nvPr>
+        </p:nvSpPr>
+        <p:spPr>
+          <a:xfrm>
+            <a:off x="1" y="0"/>
+            <a:ext cx="12191998" cy="6858000"/>
+          </a:xfrm>
+          <a:prstGeom prst="rect">
+            <a:avLst/>
+          </a:prstGeom>
+          <a:gradFill>
+            <a:gsLst>
+              <a:gs pos="0">
+                <a:schemeClr val="accent1">
+                  <a:lumMod val="90000"/>
+                </a:schemeClr>
+              </a:gs>
+              <a:gs pos="25000">
+                <a:schemeClr val="accent1">
+                  <a:lumMod val="90000"/>
+                </a:schemeClr>
+              </a:gs>
+              <a:gs pos="94000">
+                <a:schemeClr val="bg2">
+                  <a:lumMod val="25000"/>
+                </a:schemeClr>
+              </a:gs>
+              <a:gs pos="100000">
+                <a:schemeClr val="bg2">
+                  <a:lumMod val="25000"/>
+                </a:schemeClr>
+              </a:gs>
+            </a:gsLst>
+            <a:lin ang="4200000" scaled="0"/>
+          </a:gradFill>
+          <a:ln>
+            <a:noFill/>
+          </a:ln>
+        </p:spPr>
+        <p:style>
+          <a:lnRef idx="2">
+            <a:schemeClr val="accent1">
+              <a:shade val="50000"/>
+            </a:schemeClr>
+          </a:lnRef>
+          <a:fillRef idx="1">
+            <a:schemeClr val="accent1"/>
+          </a:fillRef>
+          <a:effectRef idx="0">
+            <a:schemeClr val="accent1"/>
+          </a:effectRef>
+          <a:fontRef idx="minor">
+            <a:schemeClr val="lt1"/>
+          </a:fontRef>
+        </p:style>
+        <p:txBody>
+          <a:bodyPr rtlCol="0" anchor="ctr"/>
+          <a:lstStyle/>
+          <a:p>
+            <a:pPr algn="ctr"/>
+            <a:endParaRPr lang="en-US"/>
+          </a:p>
+        </p:txBody>
+      </p:sp>
+      <p:pic>
+        <p:nvPicPr>
+          <p:cNvPr id="12" name="Picture 11">
+            <a:extLst>
+              <a:ext uri="{FF2B5EF4-FFF2-40B4-BE49-F238E27FC236}">
+                <a16:creationId xmlns:a16="http://schemas.microsoft.com/office/drawing/2014/main" id="{2897127E-6CEF-446C-BE87-93B7C46E49D1}"/>
+              </a:ext>
+              <a:ext uri="{C183D7F6-B498-43B3-948B-1728B52AA6E4}">
+                <adec:decorative xmlns:adec="http://schemas.microsoft.com/office/drawing/2017/decorative" val="1"/>
+              </a:ext>
+            </a:extLst>
+          </p:cNvPr>
+          <p:cNvPicPr>
+            <a:picLocks noGrp="1" noRot="1" noChangeAspect="1" noMove="1" noResize="1" noEditPoints="1" noAdjustHandles="1" noChangeArrowheads="1" noChangeShapeType="1" noCrop="1"/>
+          </p:cNvPicPr>
+          <p:nvPr>
+            <p:extLst>
+              <p:ext uri="{386F3935-93C4-4BCD-93E2-E3B085C9AB24}">
+                <p16:designElem xmlns:p16="http://schemas.microsoft.com/office/powerpoint/2015/main" val="1"/>
+              </p:ext>
+            </p:extLst>
+          </p:nvPr>
+        </p:nvPicPr>
+        <p:blipFill>
+          <a:blip r:embed="rId2">
+            <a:extLst>
+              <a:ext uri="{28A0092B-C50C-407E-A947-70E740481C1C}">
+                <a14:useLocalDpi xmlns:a14="http://schemas.microsoft.com/office/drawing/2010/main" val="0"/>
+              </a:ext>
+            </a:extLst>
+          </a:blip>
+          <a:stretch>
+            <a:fillRect/>
+          </a:stretch>
+        </p:blipFill>
+        <p:spPr>
+          <a:xfrm>
+            <a:off x="0" y="0"/>
+            <a:ext cx="12192000" cy="6858000"/>
+          </a:xfrm>
+          <a:prstGeom prst="rect">
+            <a:avLst/>
+          </a:prstGeom>
+        </p:spPr>
+      </p:pic>
+      <p:sp>
+        <p:nvSpPr>
+          <p:cNvPr id="2" name="Title 1">
+            <a:extLst>
+              <a:ext uri="{FF2B5EF4-FFF2-40B4-BE49-F238E27FC236}">
+                <a16:creationId xmlns:a16="http://schemas.microsoft.com/office/drawing/2014/main" id="{B07A03E8-4EAF-4BFF-B987-781CC71F538F}"/>
+              </a:ext>
+            </a:extLst>
+          </p:cNvPr>
+          <p:cNvSpPr>
+            <a:spLocks noGrp="1"/>
+          </p:cNvSpPr>
+          <p:nvPr>
+            <p:ph type="ctrTitle"/>
+          </p:nvPr>
+        </p:nvSpPr>
+        <p:spPr>
+          <a:xfrm>
+            <a:off x="640079" y="2053641"/>
+            <a:ext cx="3669161" cy="2760098"/>
           </a:xfrm>
         </p:spPr>
         <p:txBody>
-          <a:bodyPr/>
-          <a:lstStyle/>
-          <a:p>
-            <a:r>
-              <a:rPr lang="en-US" dirty="0"/>
+          <a:bodyPr vert="horz" lIns="91440" tIns="45720" rIns="91440" bIns="45720" rtlCol="0" anchor="ctr">
+            <a:normAutofit/>
+          </a:bodyPr>
+          <a:lstStyle/>
+          <a:p>
+            <a:pPr algn="l"/>
+            <a:r>
+              <a:rPr lang="en-US" sz="4400" kern="1200">
+                <a:solidFill>
+                  <a:srgbClr val="FFFFFF"/>
+                </a:solidFill>
+                <a:latin typeface="+mj-lt"/>
+                <a:ea typeface="+mj-ea"/>
+                <a:cs typeface="+mj-cs"/>
+              </a:rPr>
               <a:t>Agenda – Angular Best Practices</a:t>
             </a:r>
           </a:p>
@@ -3926,55 +4928,81 @@
         </p:nvSpPr>
         <p:spPr>
           <a:xfrm>
-            <a:off x="1005533" y="1423844"/>
-            <a:ext cx="10180933" cy="5091830"/>
+            <a:off x="6090574" y="801866"/>
+            <a:ext cx="5306084" cy="5230634"/>
           </a:xfrm>
         </p:spPr>
         <p:txBody>
-          <a:bodyPr/>
-          <a:lstStyle/>
-          <a:p>
-            <a:pPr marL="342900" indent="-342900" algn="l">
+          <a:bodyPr vert="horz" lIns="91440" tIns="45720" rIns="91440" bIns="45720" rtlCol="0" anchor="ctr">
+            <a:normAutofit/>
+          </a:bodyPr>
+          <a:lstStyle/>
+          <a:p>
+            <a:pPr marL="342900" indent="-228600" algn="l">
               <a:buFont typeface="Arial" panose="020B0604020202020204" pitchFamily="34" charset="0"/>
               <a:buChar char="•"/>
             </a:pPr>
             <a:r>
-              <a:rPr lang="en-US" dirty="0"/>
+              <a:rPr lang="en-US">
+                <a:solidFill>
+                  <a:srgbClr val="000000"/>
+                </a:solidFill>
+              </a:rPr>
               <a:t>Project and folder organization</a:t>
             </a:r>
           </a:p>
           <a:p>
-            <a:pPr marL="342900" indent="-342900" algn="l">
+            <a:pPr marL="342900" indent="-228600" algn="l">
               <a:buFont typeface="Arial" panose="020B0604020202020204" pitchFamily="34" charset="0"/>
               <a:buChar char="•"/>
             </a:pPr>
             <a:r>
-              <a:rPr lang="en-US" dirty="0"/>
+              <a:rPr lang="en-US">
+                <a:solidFill>
+                  <a:srgbClr val="000000"/>
+                </a:solidFill>
+              </a:rPr>
               <a:t>Angular module organization</a:t>
             </a:r>
           </a:p>
           <a:p>
-            <a:pPr marL="342900" indent="-342900" algn="l">
+            <a:pPr marL="342900" indent="-228600" algn="l">
               <a:buFont typeface="Arial" panose="020B0604020202020204" pitchFamily="34" charset="0"/>
               <a:buChar char="•"/>
             </a:pPr>
             <a:r>
-              <a:rPr lang="en-US" dirty="0"/>
+              <a:rPr lang="en-US">
+                <a:solidFill>
+                  <a:srgbClr val="000000"/>
+                </a:solidFill>
+              </a:rPr>
               <a:t>Component and services Best Practices</a:t>
             </a:r>
           </a:p>
           <a:p>
-            <a:pPr marL="342900" indent="-342900" algn="l">
+            <a:pPr marL="342900" indent="-228600" algn="l">
               <a:buFont typeface="Arial" panose="020B0604020202020204" pitchFamily="34" charset="0"/>
               <a:buChar char="•"/>
             </a:pPr>
             <a:r>
-              <a:rPr lang="en-US" dirty="0"/>
+              <a:rPr lang="en-US">
+                <a:solidFill>
+                  <a:srgbClr val="000000"/>
+                </a:solidFill>
+              </a:rPr>
               <a:t>Important performance best practices</a:t>
             </a:r>
           </a:p>
           <a:p>
-            <a:endParaRPr lang="en-US" dirty="0"/>
+            <a:pPr indent="-228600" algn="l">
+              <a:buFont typeface="Arial" panose="020B0604020202020204" pitchFamily="34" charset="0"/>
+              <a:buChar char="•"/>
+            </a:pPr>
+            <a:endParaRPr lang="en-US">
+              <a:solidFill>
+                <a:srgbClr val="000000"/>
+              </a:solidFill>
+            </a:endParaRPr>
           </a:p>
         </p:txBody>
       </p:sp>
